--- a/Howto - Programming Modern Windows.pptx
+++ b/Howto - Programming Modern Windows.pptx
@@ -7,22 +7,24 @@
   <p:sldIdLst>
     <p:sldId id="256" r:id="rId2"/>
     <p:sldId id="260" r:id="rId3"/>
-    <p:sldId id="272" r:id="rId4"/>
-    <p:sldId id="276" r:id="rId5"/>
-    <p:sldId id="259" r:id="rId6"/>
-    <p:sldId id="266" r:id="rId7"/>
-    <p:sldId id="261" r:id="rId8"/>
-    <p:sldId id="258" r:id="rId9"/>
-    <p:sldId id="277" r:id="rId10"/>
-    <p:sldId id="267" r:id="rId11"/>
-    <p:sldId id="275" r:id="rId12"/>
-    <p:sldId id="274" r:id="rId13"/>
-    <p:sldId id="278" r:id="rId14"/>
-    <p:sldId id="269" r:id="rId15"/>
-    <p:sldId id="262" r:id="rId16"/>
-    <p:sldId id="270" r:id="rId17"/>
-    <p:sldId id="265" r:id="rId18"/>
-    <p:sldId id="271" r:id="rId19"/>
+    <p:sldId id="279" r:id="rId4"/>
+    <p:sldId id="272" r:id="rId5"/>
+    <p:sldId id="276" r:id="rId6"/>
+    <p:sldId id="259" r:id="rId7"/>
+    <p:sldId id="266" r:id="rId8"/>
+    <p:sldId id="261" r:id="rId9"/>
+    <p:sldId id="258" r:id="rId10"/>
+    <p:sldId id="277" r:id="rId11"/>
+    <p:sldId id="267" r:id="rId12"/>
+    <p:sldId id="275" r:id="rId13"/>
+    <p:sldId id="274" r:id="rId14"/>
+    <p:sldId id="278" r:id="rId15"/>
+    <p:sldId id="269" r:id="rId16"/>
+    <p:sldId id="280" r:id="rId17"/>
+    <p:sldId id="262" r:id="rId18"/>
+    <p:sldId id="270" r:id="rId19"/>
+    <p:sldId id="265" r:id="rId20"/>
+    <p:sldId id="271" r:id="rId21"/>
   </p:sldIdLst>
   <p:sldSz cx="12192000" cy="6858000"/>
   <p:notesSz cx="6858000" cy="9144000"/>
@@ -260,7 +262,7 @@
           <a:p>
             <a:fld id="{7C13E9D5-7106-485C-9C68-CD7C3994AA97}" type="datetimeFigureOut">
               <a:rPr lang="en-IN" smtClean="0"/>
-              <a:t>13-09-2020</a:t>
+              <a:t>17-09-2020</a:t>
             </a:fld>
             <a:endParaRPr lang="en-IN"/>
           </a:p>
@@ -430,7 +432,7 @@
           <a:p>
             <a:fld id="{7C13E9D5-7106-485C-9C68-CD7C3994AA97}" type="datetimeFigureOut">
               <a:rPr lang="en-IN" smtClean="0"/>
-              <a:t>13-09-2020</a:t>
+              <a:t>17-09-2020</a:t>
             </a:fld>
             <a:endParaRPr lang="en-IN"/>
           </a:p>
@@ -610,7 +612,7 @@
           <a:p>
             <a:fld id="{7C13E9D5-7106-485C-9C68-CD7C3994AA97}" type="datetimeFigureOut">
               <a:rPr lang="en-IN" smtClean="0"/>
-              <a:t>13-09-2020</a:t>
+              <a:t>17-09-2020</a:t>
             </a:fld>
             <a:endParaRPr lang="en-IN"/>
           </a:p>
@@ -780,7 +782,7 @@
           <a:p>
             <a:fld id="{7C13E9D5-7106-485C-9C68-CD7C3994AA97}" type="datetimeFigureOut">
               <a:rPr lang="en-IN" smtClean="0"/>
-              <a:t>13-09-2020</a:t>
+              <a:t>17-09-2020</a:t>
             </a:fld>
             <a:endParaRPr lang="en-IN"/>
           </a:p>
@@ -1026,7 +1028,7 @@
           <a:p>
             <a:fld id="{7C13E9D5-7106-485C-9C68-CD7C3994AA97}" type="datetimeFigureOut">
               <a:rPr lang="en-IN" smtClean="0"/>
-              <a:t>13-09-2020</a:t>
+              <a:t>17-09-2020</a:t>
             </a:fld>
             <a:endParaRPr lang="en-IN"/>
           </a:p>
@@ -1258,7 +1260,7 @@
           <a:p>
             <a:fld id="{7C13E9D5-7106-485C-9C68-CD7C3994AA97}" type="datetimeFigureOut">
               <a:rPr lang="en-IN" smtClean="0"/>
-              <a:t>13-09-2020</a:t>
+              <a:t>17-09-2020</a:t>
             </a:fld>
             <a:endParaRPr lang="en-IN"/>
           </a:p>
@@ -1625,7 +1627,7 @@
           <a:p>
             <a:fld id="{7C13E9D5-7106-485C-9C68-CD7C3994AA97}" type="datetimeFigureOut">
               <a:rPr lang="en-IN" smtClean="0"/>
-              <a:t>13-09-2020</a:t>
+              <a:t>17-09-2020</a:t>
             </a:fld>
             <a:endParaRPr lang="en-IN"/>
           </a:p>
@@ -1743,7 +1745,7 @@
           <a:p>
             <a:fld id="{7C13E9D5-7106-485C-9C68-CD7C3994AA97}" type="datetimeFigureOut">
               <a:rPr lang="en-IN" smtClean="0"/>
-              <a:t>13-09-2020</a:t>
+              <a:t>17-09-2020</a:t>
             </a:fld>
             <a:endParaRPr lang="en-IN"/>
           </a:p>
@@ -1838,7 +1840,7 @@
           <a:p>
             <a:fld id="{7C13E9D5-7106-485C-9C68-CD7C3994AA97}" type="datetimeFigureOut">
               <a:rPr lang="en-IN" smtClean="0"/>
-              <a:t>13-09-2020</a:t>
+              <a:t>17-09-2020</a:t>
             </a:fld>
             <a:endParaRPr lang="en-IN"/>
           </a:p>
@@ -2115,7 +2117,7 @@
           <a:p>
             <a:fld id="{7C13E9D5-7106-485C-9C68-CD7C3994AA97}" type="datetimeFigureOut">
               <a:rPr lang="en-IN" smtClean="0"/>
-              <a:t>13-09-2020</a:t>
+              <a:t>17-09-2020</a:t>
             </a:fld>
             <a:endParaRPr lang="en-IN"/>
           </a:p>
@@ -2368,7 +2370,7 @@
           <a:p>
             <a:fld id="{7C13E9D5-7106-485C-9C68-CD7C3994AA97}" type="datetimeFigureOut">
               <a:rPr lang="en-IN" smtClean="0"/>
-              <a:t>13-09-2020</a:t>
+              <a:t>17-09-2020</a:t>
             </a:fld>
             <a:endParaRPr lang="en-IN"/>
           </a:p>
@@ -2581,7 +2583,7 @@
           <a:p>
             <a:fld id="{7C13E9D5-7106-485C-9C68-CD7C3994AA97}" type="datetimeFigureOut">
               <a:rPr lang="en-IN" smtClean="0"/>
-              <a:t>13-09-2020</a:t>
+              <a:t>17-09-2020</a:t>
             </a:fld>
             <a:endParaRPr lang="en-IN"/>
           </a:p>
@@ -3097,6 +3099,96 @@
           <a:lstStyle/>
           <a:p>
             <a:r>
+              <a:rPr lang="en-IN" dirty="0"/>
+              <a:t>Language Selection for </a:t>
+            </a:r>
+            <a:r>
+              <a:rPr lang="en-IN" dirty="0" smtClean="0"/>
+              <a:t>Development</a:t>
+            </a:r>
+            <a:endParaRPr lang="en-IN" dirty="0"/>
+          </a:p>
+        </p:txBody>
+      </p:sp>
+      <p:pic>
+        <p:nvPicPr>
+          <p:cNvPr id="4" name="Content Placeholder 3"/>
+          <p:cNvPicPr>
+            <a:picLocks noGrp="1" noChangeAspect="1"/>
+          </p:cNvPicPr>
+          <p:nvPr>
+            <p:ph idx="1"/>
+          </p:nvPr>
+        </p:nvPicPr>
+        <p:blipFill>
+          <a:blip r:embed="rId2"/>
+          <a:stretch>
+            <a:fillRect/>
+          </a:stretch>
+        </p:blipFill>
+        <p:spPr>
+          <a:xfrm>
+            <a:off x="2924275" y="1690688"/>
+            <a:ext cx="5728405" cy="4952299"/>
+          </a:xfrm>
+          <a:prstGeom prst="rect">
+            <a:avLst/>
+          </a:prstGeom>
+        </p:spPr>
+      </p:pic>
+    </p:spTree>
+    <p:extLst>
+      <p:ext uri="{BB962C8B-B14F-4D97-AF65-F5344CB8AC3E}">
+        <p14:creationId xmlns:p14="http://schemas.microsoft.com/office/powerpoint/2010/main" val="1655439954"/>
+      </p:ext>
+    </p:extLst>
+  </p:cSld>
+  <p:clrMapOvr>
+    <a:masterClrMapping/>
+  </p:clrMapOvr>
+  <p:timing>
+    <p:tnLst>
+      <p:par>
+        <p:cTn id="1" dur="indefinite" restart="never" nodeType="tmRoot"/>
+      </p:par>
+    </p:tnLst>
+  </p:timing>
+</p:sld>
+</file>
+
+<file path=ppt/slides/slide11.xml><?xml version="1.0" encoding="utf-8"?>
+<p:sld xmlns:a="http://schemas.openxmlformats.org/drawingml/2006/main" xmlns:r="http://schemas.openxmlformats.org/officeDocument/2006/relationships" xmlns:p="http://schemas.openxmlformats.org/presentationml/2006/main">
+  <p:cSld>
+    <p:spTree>
+      <p:nvGrpSpPr>
+        <p:cNvPr id="1" name=""/>
+        <p:cNvGrpSpPr/>
+        <p:nvPr/>
+      </p:nvGrpSpPr>
+      <p:grpSpPr>
+        <a:xfrm>
+          <a:off x="0" y="0"/>
+          <a:ext cx="0" cy="0"/>
+          <a:chOff x="0" y="0"/>
+          <a:chExt cx="0" cy="0"/>
+        </a:xfrm>
+      </p:grpSpPr>
+      <p:sp>
+        <p:nvSpPr>
+          <p:cNvPr id="2" name="Title 1"/>
+          <p:cNvSpPr>
+            <a:spLocks noGrp="1"/>
+          </p:cNvSpPr>
+          <p:nvPr>
+            <p:ph type="title"/>
+          </p:nvPr>
+        </p:nvSpPr>
+        <p:spPr/>
+        <p:txBody>
+          <a:bodyPr/>
+          <a:lstStyle/>
+          <a:p>
+            <a:r>
               <a:rPr lang="en-US" dirty="0" smtClean="0"/>
               <a:t>Windows </a:t>
             </a:r>
@@ -3213,7 +3305,7 @@
 </p:sld>
 </file>
 
-<file path=ppt/slides/slide11.xml><?xml version="1.0" encoding="utf-8"?>
+<file path=ppt/slides/slide12.xml><?xml version="1.0" encoding="utf-8"?>
 <p:sld xmlns:a="http://schemas.openxmlformats.org/drawingml/2006/main" xmlns:r="http://schemas.openxmlformats.org/officeDocument/2006/relationships" xmlns:p="http://schemas.openxmlformats.org/presentationml/2006/main">
   <p:cSld>
     <p:spTree>
@@ -3297,7 +3389,7 @@
 </p:sld>
 </file>
 
-<file path=ppt/slides/slide12.xml><?xml version="1.0" encoding="utf-8"?>
+<file path=ppt/slides/slide13.xml><?xml version="1.0" encoding="utf-8"?>
 <p:sld xmlns:a="http://schemas.openxmlformats.org/drawingml/2006/main" xmlns:r="http://schemas.openxmlformats.org/officeDocument/2006/relationships" xmlns:p="http://schemas.openxmlformats.org/presentationml/2006/main">
   <p:cSld>
     <p:spTree>
@@ -4387,7 +4479,7 @@
 </p:sld>
 </file>
 
-<file path=ppt/slides/slide13.xml><?xml version="1.0" encoding="utf-8"?>
+<file path=ppt/slides/slide14.xml><?xml version="1.0" encoding="utf-8"?>
 <p:sld xmlns:a="http://schemas.openxmlformats.org/drawingml/2006/main" xmlns:r="http://schemas.openxmlformats.org/officeDocument/2006/relationships" xmlns:p="http://schemas.openxmlformats.org/presentationml/2006/main">
   <p:cSld>
     <p:spTree>
@@ -4468,7 +4560,7 @@
         <p:spPr>
           <a:xfrm>
             <a:off x="1232849" y="2852478"/>
-            <a:ext cx="2875128" cy="3352328"/>
+            <a:ext cx="3161730" cy="3352328"/>
           </a:xfrm>
           <a:prstGeom prst="rect">
             <a:avLst/>
@@ -4497,7 +4589,7 @@
                 <a:ea typeface="Times New Roman" panose="02020603050405020304" pitchFamily="18" charset="0"/>
                 <a:cs typeface="SegoeUI"/>
               </a:rPr>
-              <a:t>On </a:t>
+              <a:t>Open “Create </a:t>
             </a:r>
             <a:r>
               <a:rPr lang="en-IN" dirty="0">
@@ -4508,138 +4600,10 @@
                 <a:ea typeface="Times New Roman" panose="02020603050405020304" pitchFamily="18" charset="0"/>
                 <a:cs typeface="SegoeUI"/>
               </a:rPr>
-              <a:t>Create new project Visual Studio Wizard, use filer “Language: C#, Platform: Windows, Project Type: WinUI” to list out the supported WinUI Template. You can select “Blank App, packaged (WinUI in Desktop)” to create a sample desktop application and run it.</a:t>
-            </a:r>
-            <a:endParaRPr lang="en-IN" dirty="0">
-              <a:effectLst/>
-              <a:latin typeface="Calibri" panose="020F0502020204030204" pitchFamily="34" charset="0"/>
-              <a:ea typeface="Times New Roman" panose="02020603050405020304" pitchFamily="18" charset="0"/>
-              <a:cs typeface="Times New Roman" panose="02020603050405020304" pitchFamily="18" charset="0"/>
-            </a:endParaRPr>
-          </a:p>
-        </p:txBody>
-      </p:sp>
-    </p:spTree>
-    <p:extLst>
-      <p:ext uri="{BB962C8B-B14F-4D97-AF65-F5344CB8AC3E}">
-        <p14:creationId xmlns:p14="http://schemas.microsoft.com/office/powerpoint/2010/main" val="3577939394"/>
-      </p:ext>
-    </p:extLst>
-  </p:cSld>
-  <p:clrMapOvr>
-    <a:masterClrMapping/>
-  </p:clrMapOvr>
-  <p:timing>
-    <p:tnLst>
-      <p:par>
-        <p:cTn id="1" dur="indefinite" restart="never" nodeType="tmRoot"/>
-      </p:par>
-    </p:tnLst>
-  </p:timing>
-</p:sld>
-</file>
-
-<file path=ppt/slides/slide14.xml><?xml version="1.0" encoding="utf-8"?>
-<p:sld xmlns:a="http://schemas.openxmlformats.org/drawingml/2006/main" xmlns:r="http://schemas.openxmlformats.org/officeDocument/2006/relationships" xmlns:p="http://schemas.openxmlformats.org/presentationml/2006/main">
-  <p:cSld>
-    <p:spTree>
-      <p:nvGrpSpPr>
-        <p:cNvPr id="1" name=""/>
-        <p:cNvGrpSpPr/>
-        <p:nvPr/>
-      </p:nvGrpSpPr>
-      <p:grpSpPr>
-        <a:xfrm>
-          <a:off x="0" y="0"/>
-          <a:ext cx="0" cy="0"/>
-          <a:chOff x="0" y="0"/>
-          <a:chExt cx="0" cy="0"/>
-        </a:xfrm>
-      </p:grpSpPr>
-      <p:sp>
-        <p:nvSpPr>
-          <p:cNvPr id="2" name="Title 1"/>
-          <p:cNvSpPr>
-            <a:spLocks noGrp="1"/>
-          </p:cNvSpPr>
-          <p:nvPr>
-            <p:ph type="title"/>
-          </p:nvPr>
-        </p:nvSpPr>
-        <p:spPr/>
-        <p:txBody>
-          <a:bodyPr/>
-          <a:lstStyle/>
-          <a:p>
-            <a:r>
-              <a:rPr lang="en-US" dirty="0"/>
-              <a:t>Exercise (Simple Calculator</a:t>
-            </a:r>
-            <a:r>
-              <a:rPr lang="en-US" dirty="0" smtClean="0"/>
-              <a:t>) Using WinUI</a:t>
-            </a:r>
-            <a:endParaRPr lang="en-IN" dirty="0"/>
-          </a:p>
-        </p:txBody>
-      </p:sp>
-      <p:pic>
-        <p:nvPicPr>
-          <p:cNvPr id="4" name="Content Placeholder 3"/>
-          <p:cNvPicPr>
-            <a:picLocks noGrp="1" noChangeAspect="1"/>
-          </p:cNvPicPr>
-          <p:nvPr>
-            <p:ph idx="1"/>
-          </p:nvPr>
-        </p:nvPicPr>
-        <p:blipFill>
-          <a:blip r:embed="rId2"/>
-          <a:stretch>
-            <a:fillRect/>
-          </a:stretch>
-        </p:blipFill>
-        <p:spPr>
-          <a:xfrm>
-            <a:off x="1395273" y="1506082"/>
-            <a:ext cx="7803459" cy="4840609"/>
-          </a:xfrm>
-          <a:prstGeom prst="rect">
-            <a:avLst/>
-          </a:prstGeom>
-        </p:spPr>
-      </p:pic>
-      <p:sp>
-        <p:nvSpPr>
-          <p:cNvPr id="5" name="Rectangle 4"/>
-          <p:cNvSpPr/>
-          <p:nvPr/>
-        </p:nvSpPr>
-        <p:spPr>
-          <a:xfrm>
-            <a:off x="1395273" y="6345318"/>
-            <a:ext cx="9045264" cy="388696"/>
-          </a:xfrm>
-          <a:prstGeom prst="rect">
-            <a:avLst/>
-          </a:prstGeom>
-        </p:spPr>
-        <p:txBody>
-          <a:bodyPr wrap="square">
-            <a:spAutoFit/>
-          </a:bodyPr>
-          <a:lstStyle/>
-          <a:p>
-            <a:pPr>
-              <a:lnSpc>
-                <a:spcPct val="107000"/>
-              </a:lnSpc>
-              <a:spcAft>
-                <a:spcPts val="800"/>
-              </a:spcAft>
-            </a:pPr>
-            <a:r>
-              <a:rPr lang="en-US" dirty="0" smtClean="0">
+              <a:t>new </a:t>
+            </a:r>
+            <a:r>
+              <a:rPr lang="en-IN" dirty="0" smtClean="0">
                 <a:solidFill>
                   <a:srgbClr val="24292E"/>
                 </a:solidFill>
@@ -4647,10 +4611,10 @@
                 <a:ea typeface="Times New Roman" panose="02020603050405020304" pitchFamily="18" charset="0"/>
                 <a:cs typeface="SegoeUI"/>
               </a:rPr>
-              <a:t>This sample app can be found at - https</a:t>
-            </a:r>
-            <a:r>
-              <a:rPr lang="en-US" dirty="0">
+              <a:t>project” </a:t>
+            </a:r>
+            <a:r>
+              <a:rPr lang="en-IN" dirty="0">
                 <a:solidFill>
                   <a:srgbClr val="24292E"/>
                 </a:solidFill>
@@ -4658,10 +4622,10 @@
                 <a:ea typeface="Times New Roman" panose="02020603050405020304" pitchFamily="18" charset="0"/>
                 <a:cs typeface="SegoeUI"/>
               </a:rPr>
-              <a:t>://</a:t>
-            </a:r>
-            <a:r>
-              <a:rPr lang="en-US" dirty="0" smtClean="0">
+              <a:t>Visual Studio Wizard, use filer “Language: C#, Platform: Windows, Project Type: WinUI” to list out the supported WinUI Template. </a:t>
+            </a:r>
+            <a:r>
+              <a:rPr lang="en-IN" dirty="0" smtClean="0">
                 <a:solidFill>
                   <a:srgbClr val="24292E"/>
                 </a:solidFill>
@@ -4669,7 +4633,40 @@
                 <a:ea typeface="Times New Roman" panose="02020603050405020304" pitchFamily="18" charset="0"/>
                 <a:cs typeface="SegoeUI"/>
               </a:rPr>
-              <a:t>github.com/SUDHANSUX/SimpleCalculator/</a:t>
+              <a:t>You can select </a:t>
+            </a:r>
+            <a:r>
+              <a:rPr lang="en-IN" dirty="0">
+                <a:solidFill>
+                  <a:srgbClr val="24292E"/>
+                </a:solidFill>
+                <a:latin typeface="SegoeUI"/>
+                <a:ea typeface="Times New Roman" panose="02020603050405020304" pitchFamily="18" charset="0"/>
+                <a:cs typeface="SegoeUI"/>
+              </a:rPr>
+              <a:t>“Blank App, packaged (WinUI in Desktop)” to create a sample desktop </a:t>
+            </a:r>
+            <a:r>
+              <a:rPr lang="en-IN" dirty="0" smtClean="0">
+                <a:solidFill>
+                  <a:srgbClr val="24292E"/>
+                </a:solidFill>
+                <a:latin typeface="SegoeUI"/>
+                <a:ea typeface="Times New Roman" panose="02020603050405020304" pitchFamily="18" charset="0"/>
+                <a:cs typeface="SegoeUI"/>
+              </a:rPr>
+              <a:t>application, build </a:t>
+            </a:r>
+            <a:r>
+              <a:rPr lang="en-IN" dirty="0">
+                <a:solidFill>
+                  <a:srgbClr val="24292E"/>
+                </a:solidFill>
+                <a:latin typeface="SegoeUI"/>
+                <a:ea typeface="Times New Roman" panose="02020603050405020304" pitchFamily="18" charset="0"/>
+                <a:cs typeface="SegoeUI"/>
+              </a:rPr>
+              <a:t>and run it.</a:t>
             </a:r>
             <a:endParaRPr lang="en-IN" dirty="0">
               <a:effectLst/>
@@ -4683,7 +4680,7 @@
     </p:spTree>
     <p:extLst>
       <p:ext uri="{BB962C8B-B14F-4D97-AF65-F5344CB8AC3E}">
-        <p14:creationId xmlns:p14="http://schemas.microsoft.com/office/powerpoint/2010/main" val="1177552747"/>
+        <p14:creationId xmlns:p14="http://schemas.microsoft.com/office/powerpoint/2010/main" val="3577939394"/>
       </p:ext>
     </p:extLst>
   </p:cSld>
@@ -4734,7 +4731,340 @@
           <a:p>
             <a:r>
               <a:rPr lang="en-US" dirty="0"/>
-              <a:t>Windows Development Technology</a:t>
+              <a:t>Exercise (Simple Calculator</a:t>
+            </a:r>
+            <a:r>
+              <a:rPr lang="en-US" dirty="0" smtClean="0"/>
+              <a:t>) Using WinUI</a:t>
+            </a:r>
+            <a:endParaRPr lang="en-IN" dirty="0"/>
+          </a:p>
+        </p:txBody>
+      </p:sp>
+      <p:pic>
+        <p:nvPicPr>
+          <p:cNvPr id="4" name="Content Placeholder 3"/>
+          <p:cNvPicPr>
+            <a:picLocks noGrp="1" noChangeAspect="1"/>
+          </p:cNvPicPr>
+          <p:nvPr>
+            <p:ph idx="1"/>
+          </p:nvPr>
+        </p:nvPicPr>
+        <p:blipFill>
+          <a:blip r:embed="rId2"/>
+          <a:stretch>
+            <a:fillRect/>
+          </a:stretch>
+        </p:blipFill>
+        <p:spPr>
+          <a:xfrm>
+            <a:off x="2091309" y="1506082"/>
+            <a:ext cx="7803459" cy="4840609"/>
+          </a:xfrm>
+          <a:prstGeom prst="rect">
+            <a:avLst/>
+          </a:prstGeom>
+        </p:spPr>
+      </p:pic>
+      <p:sp>
+        <p:nvSpPr>
+          <p:cNvPr id="5" name="Rectangle 4"/>
+          <p:cNvSpPr/>
+          <p:nvPr/>
+        </p:nvSpPr>
+        <p:spPr>
+          <a:xfrm>
+            <a:off x="1709173" y="6481046"/>
+            <a:ext cx="8785955" cy="322845"/>
+          </a:xfrm>
+          <a:prstGeom prst="rect">
+            <a:avLst/>
+          </a:prstGeom>
+        </p:spPr>
+        <p:txBody>
+          <a:bodyPr wrap="square">
+            <a:spAutoFit/>
+          </a:bodyPr>
+          <a:lstStyle/>
+          <a:p>
+            <a:pPr>
+              <a:lnSpc>
+                <a:spcPct val="107000"/>
+              </a:lnSpc>
+              <a:spcAft>
+                <a:spcPts val="800"/>
+              </a:spcAft>
+            </a:pPr>
+            <a:r>
+              <a:rPr lang="en-US" sz="1400" dirty="0" smtClean="0">
+                <a:solidFill>
+                  <a:srgbClr val="24292E"/>
+                </a:solidFill>
+                <a:latin typeface="SegoeUI"/>
+                <a:ea typeface="Times New Roman" panose="02020603050405020304" pitchFamily="18" charset="0"/>
+                <a:cs typeface="SegoeUI"/>
+              </a:rPr>
+              <a:t>The Source Code of the sample can </a:t>
+            </a:r>
+            <a:r>
+              <a:rPr lang="en-US" sz="1400" dirty="0" smtClean="0">
+                <a:solidFill>
+                  <a:srgbClr val="24292E"/>
+                </a:solidFill>
+                <a:latin typeface="SegoeUI"/>
+                <a:ea typeface="Times New Roman" panose="02020603050405020304" pitchFamily="18" charset="0"/>
+                <a:cs typeface="SegoeUI"/>
+              </a:rPr>
+              <a:t>be found at - https</a:t>
+            </a:r>
+            <a:r>
+              <a:rPr lang="en-US" sz="1400" dirty="0">
+                <a:solidFill>
+                  <a:srgbClr val="24292E"/>
+                </a:solidFill>
+                <a:latin typeface="SegoeUI"/>
+                <a:ea typeface="Times New Roman" panose="02020603050405020304" pitchFamily="18" charset="0"/>
+                <a:cs typeface="SegoeUI"/>
+              </a:rPr>
+              <a:t>://</a:t>
+            </a:r>
+            <a:r>
+              <a:rPr lang="en-US" sz="1400" dirty="0" smtClean="0">
+                <a:solidFill>
+                  <a:srgbClr val="24292E"/>
+                </a:solidFill>
+                <a:latin typeface="SegoeUI"/>
+                <a:ea typeface="Times New Roman" panose="02020603050405020304" pitchFamily="18" charset="0"/>
+                <a:cs typeface="SegoeUI"/>
+              </a:rPr>
+              <a:t>github.com/SUDHANSUX/SimpleCalculator/</a:t>
+            </a:r>
+            <a:endParaRPr lang="en-IN" sz="1400" dirty="0">
+              <a:effectLst/>
+              <a:latin typeface="Calibri" panose="020F0502020204030204" pitchFamily="34" charset="0"/>
+              <a:ea typeface="Times New Roman" panose="02020603050405020304" pitchFamily="18" charset="0"/>
+              <a:cs typeface="Times New Roman" panose="02020603050405020304" pitchFamily="18" charset="0"/>
+            </a:endParaRPr>
+          </a:p>
+        </p:txBody>
+      </p:sp>
+    </p:spTree>
+    <p:extLst>
+      <p:ext uri="{BB962C8B-B14F-4D97-AF65-F5344CB8AC3E}">
+        <p14:creationId xmlns:p14="http://schemas.microsoft.com/office/powerpoint/2010/main" val="1177552747"/>
+      </p:ext>
+    </p:extLst>
+  </p:cSld>
+  <p:clrMapOvr>
+    <a:masterClrMapping/>
+  </p:clrMapOvr>
+  <p:timing>
+    <p:tnLst>
+      <p:par>
+        <p:cTn id="1" dur="indefinite" restart="never" nodeType="tmRoot"/>
+      </p:par>
+    </p:tnLst>
+  </p:timing>
+</p:sld>
+</file>
+
+<file path=ppt/slides/slide16.xml><?xml version="1.0" encoding="utf-8"?>
+<p:sld xmlns:a="http://schemas.openxmlformats.org/drawingml/2006/main" xmlns:r="http://schemas.openxmlformats.org/officeDocument/2006/relationships" xmlns:p="http://schemas.openxmlformats.org/presentationml/2006/main">
+  <p:cSld>
+    <p:spTree>
+      <p:nvGrpSpPr>
+        <p:cNvPr id="1" name=""/>
+        <p:cNvGrpSpPr/>
+        <p:nvPr/>
+      </p:nvGrpSpPr>
+      <p:grpSpPr>
+        <a:xfrm>
+          <a:off x="0" y="0"/>
+          <a:ext cx="0" cy="0"/>
+          <a:chOff x="0" y="0"/>
+          <a:chExt cx="0" cy="0"/>
+        </a:xfrm>
+      </p:grpSpPr>
+      <p:sp>
+        <p:nvSpPr>
+          <p:cNvPr id="2" name="Title 1"/>
+          <p:cNvSpPr>
+            <a:spLocks noGrp="1"/>
+          </p:cNvSpPr>
+          <p:nvPr>
+            <p:ph type="title"/>
+          </p:nvPr>
+        </p:nvSpPr>
+        <p:spPr/>
+        <p:txBody>
+          <a:bodyPr/>
+          <a:lstStyle/>
+          <a:p>
+            <a:r>
+              <a:rPr lang="en-IN" b="1" dirty="0"/>
+              <a:t>XAML Controls </a:t>
+            </a:r>
+            <a:r>
+              <a:rPr lang="en-IN" b="1" dirty="0" smtClean="0"/>
+              <a:t>Gallery App</a:t>
+            </a:r>
+            <a:endParaRPr lang="en-IN" dirty="0"/>
+          </a:p>
+        </p:txBody>
+      </p:sp>
+      <p:sp>
+        <p:nvSpPr>
+          <p:cNvPr id="4" name="Rectangle 3"/>
+          <p:cNvSpPr/>
+          <p:nvPr/>
+        </p:nvSpPr>
+        <p:spPr>
+          <a:xfrm>
+            <a:off x="838201" y="5980837"/>
+            <a:ext cx="10120951" cy="923330"/>
+          </a:xfrm>
+          <a:prstGeom prst="rect">
+            <a:avLst/>
+          </a:prstGeom>
+        </p:spPr>
+        <p:txBody>
+          <a:bodyPr wrap="square">
+            <a:spAutoFit/>
+          </a:bodyPr>
+          <a:lstStyle/>
+          <a:p>
+            <a:r>
+              <a:rPr lang="en-IN" dirty="0">
+                <a:solidFill>
+                  <a:srgbClr val="000000"/>
+                </a:solidFill>
+                <a:latin typeface="Segoe UI" panose="020B0502040204020203" pitchFamily="34" charset="0"/>
+              </a:rPr>
+              <a:t>This app demonstrates all of the Xaml and Windows UI library controls available to make a Fluent Windows </a:t>
+            </a:r>
+            <a:r>
+              <a:rPr lang="en-IN" dirty="0" smtClean="0">
+                <a:solidFill>
+                  <a:srgbClr val="000000"/>
+                </a:solidFill>
+                <a:latin typeface="Segoe UI" panose="020B0502040204020203" pitchFamily="34" charset="0"/>
+              </a:rPr>
+              <a:t>app</a:t>
+            </a:r>
+            <a:r>
+              <a:rPr lang="en-IN" dirty="0">
+                <a:solidFill>
+                  <a:srgbClr val="000000"/>
+                </a:solidFill>
+                <a:latin typeface="Segoe UI" panose="020B0502040204020203" pitchFamily="34" charset="0"/>
+              </a:rPr>
+              <a:t>. To learn more about the Windows UI library and how you can integrate it into your application, visit: https://aka.ms/winui </a:t>
+            </a:r>
+            <a:endParaRPr lang="en-IN" dirty="0"/>
+          </a:p>
+        </p:txBody>
+      </p:sp>
+      <p:pic>
+        <p:nvPicPr>
+          <p:cNvPr id="1030" name="Picture 6" descr="XAML Controls Gallery - Code Samples | Microsoft Docs"/>
+          <p:cNvPicPr>
+            <a:picLocks noChangeAspect="1" noChangeArrowheads="1"/>
+          </p:cNvPicPr>
+          <p:nvPr/>
+        </p:nvPicPr>
+        <p:blipFill>
+          <a:blip r:embed="rId2">
+            <a:extLst>
+              <a:ext uri="{28A0092B-C50C-407E-A947-70E740481C1C}">
+                <a14:useLocalDpi xmlns:a14="http://schemas.microsoft.com/office/drawing/2010/main" val="0"/>
+              </a:ext>
+            </a:extLst>
+          </a:blip>
+          <a:srcRect/>
+          <a:stretch>
+            <a:fillRect/>
+          </a:stretch>
+        </p:blipFill>
+        <p:spPr bwMode="auto">
+          <a:xfrm>
+            <a:off x="1672798" y="1490383"/>
+            <a:ext cx="8290069" cy="4490454"/>
+          </a:xfrm>
+          <a:prstGeom prst="rect">
+            <a:avLst/>
+          </a:prstGeom>
+          <a:noFill/>
+          <a:extLst>
+            <a:ext uri="{909E8E84-426E-40DD-AFC4-6F175D3DCCD1}">
+              <a14:hiddenFill xmlns:a14="http://schemas.microsoft.com/office/drawing/2010/main">
+                <a:solidFill>
+                  <a:srgbClr val="FFFFFF"/>
+                </a:solidFill>
+              </a14:hiddenFill>
+            </a:ext>
+          </a:extLst>
+        </p:spPr>
+      </p:pic>
+    </p:spTree>
+    <p:extLst>
+      <p:ext uri="{BB962C8B-B14F-4D97-AF65-F5344CB8AC3E}">
+        <p14:creationId xmlns:p14="http://schemas.microsoft.com/office/powerpoint/2010/main" val="2584970763"/>
+      </p:ext>
+    </p:extLst>
+  </p:cSld>
+  <p:clrMapOvr>
+    <a:masterClrMapping/>
+  </p:clrMapOvr>
+  <p:timing>
+    <p:tnLst>
+      <p:par>
+        <p:cTn id="1" dur="indefinite" restart="never" nodeType="tmRoot"/>
+      </p:par>
+    </p:tnLst>
+  </p:timing>
+</p:sld>
+</file>
+
+<file path=ppt/slides/slide17.xml><?xml version="1.0" encoding="utf-8"?>
+<p:sld xmlns:a="http://schemas.openxmlformats.org/drawingml/2006/main" xmlns:r="http://schemas.openxmlformats.org/officeDocument/2006/relationships" xmlns:p="http://schemas.openxmlformats.org/presentationml/2006/main">
+  <p:cSld>
+    <p:spTree>
+      <p:nvGrpSpPr>
+        <p:cNvPr id="1" name=""/>
+        <p:cNvGrpSpPr/>
+        <p:nvPr/>
+      </p:nvGrpSpPr>
+      <p:grpSpPr>
+        <a:xfrm>
+          <a:off x="0" y="0"/>
+          <a:ext cx="0" cy="0"/>
+          <a:chOff x="0" y="0"/>
+          <a:chExt cx="0" cy="0"/>
+        </a:xfrm>
+      </p:grpSpPr>
+      <p:sp>
+        <p:nvSpPr>
+          <p:cNvPr id="2" name="Title 1"/>
+          <p:cNvSpPr>
+            <a:spLocks noGrp="1"/>
+          </p:cNvSpPr>
+          <p:nvPr>
+            <p:ph type="title"/>
+          </p:nvPr>
+        </p:nvSpPr>
+        <p:spPr/>
+        <p:txBody>
+          <a:bodyPr/>
+          <a:lstStyle/>
+          <a:p>
+            <a:r>
+              <a:rPr lang="en-US" dirty="0"/>
+              <a:t>D</a:t>
+            </a:r>
+            <a:r>
+              <a:rPr lang="en-US" dirty="0" smtClean="0"/>
+              <a:t>evelopment Technology Evolution</a:t>
             </a:r>
             <a:endParaRPr lang="en-IN" dirty="0"/>
           </a:p>
@@ -4784,7 +5114,7 @@
 </p:sld>
 </file>
 
-<file path=ppt/slides/slide16.xml><?xml version="1.0" encoding="utf-8"?>
+<file path=ppt/slides/slide18.xml><?xml version="1.0" encoding="utf-8"?>
 <p:sld xmlns:a="http://schemas.openxmlformats.org/drawingml/2006/main" xmlns:r="http://schemas.openxmlformats.org/officeDocument/2006/relationships" xmlns:p="http://schemas.openxmlformats.org/presentationml/2006/main">
   <p:cSld>
     <p:spTree>
@@ -5716,7 +6046,7 @@
 </p:sld>
 </file>
 
-<file path=ppt/slides/slide17.xml><?xml version="1.0" encoding="utf-8"?>
+<file path=ppt/slides/slide19.xml><?xml version="1.0" encoding="utf-8"?>
 <p:sld xmlns:a="http://schemas.openxmlformats.org/drawingml/2006/main" xmlns:r="http://schemas.openxmlformats.org/officeDocument/2006/relationships" xmlns:p="http://schemas.openxmlformats.org/presentationml/2006/main">
   <p:cSld>
     <p:spTree>
@@ -5862,92 +6192,6 @@
     <p:extLst>
       <p:ext uri="{BB962C8B-B14F-4D97-AF65-F5344CB8AC3E}">
         <p14:creationId xmlns:p14="http://schemas.microsoft.com/office/powerpoint/2010/main" val="3414359499"/>
-      </p:ext>
-    </p:extLst>
-  </p:cSld>
-  <p:clrMapOvr>
-    <a:masterClrMapping/>
-  </p:clrMapOvr>
-  <p:timing>
-    <p:tnLst>
-      <p:par>
-        <p:cTn id="1" dur="indefinite" restart="never" nodeType="tmRoot"/>
-      </p:par>
-    </p:tnLst>
-  </p:timing>
-</p:sld>
-</file>
-
-<file path=ppt/slides/slide18.xml><?xml version="1.0" encoding="utf-8"?>
-<p:sld xmlns:a="http://schemas.openxmlformats.org/drawingml/2006/main" xmlns:r="http://schemas.openxmlformats.org/officeDocument/2006/relationships" xmlns:p="http://schemas.openxmlformats.org/presentationml/2006/main">
-  <p:cSld>
-    <p:spTree>
-      <p:nvGrpSpPr>
-        <p:cNvPr id="1" name=""/>
-        <p:cNvGrpSpPr/>
-        <p:nvPr/>
-      </p:nvGrpSpPr>
-      <p:grpSpPr>
-        <a:xfrm>
-          <a:off x="0" y="0"/>
-          <a:ext cx="0" cy="0"/>
-          <a:chOff x="0" y="0"/>
-          <a:chExt cx="0" cy="0"/>
-        </a:xfrm>
-      </p:grpSpPr>
-      <p:sp>
-        <p:nvSpPr>
-          <p:cNvPr id="3" name="Title 1"/>
-          <p:cNvSpPr txBox="1">
-            <a:spLocks/>
-          </p:cNvSpPr>
-          <p:nvPr/>
-        </p:nvSpPr>
-        <p:spPr>
-          <a:xfrm>
-            <a:off x="1653745" y="4949482"/>
-            <a:ext cx="4401065" cy="1325563"/>
-          </a:xfrm>
-          <a:prstGeom prst="rect">
-            <a:avLst/>
-          </a:prstGeom>
-        </p:spPr>
-        <p:txBody>
-          <a:bodyPr vert="horz" lIns="91440" tIns="45720" rIns="91440" bIns="45720" rtlCol="0" anchor="ctr">
-            <a:normAutofit/>
-          </a:bodyPr>
-          <a:lstStyle>
-            <a:lvl1pPr algn="l" defTabSz="914400" rtl="0" eaLnBrk="1" latinLnBrk="0" hangingPunct="1">
-              <a:lnSpc>
-                <a:spcPct val="90000"/>
-              </a:lnSpc>
-              <a:spcBef>
-                <a:spcPct val="0"/>
-              </a:spcBef>
-              <a:buNone/>
-              <a:defRPr sz="4400" kern="1200">
-                <a:solidFill>
-                  <a:schemeClr val="tx1"/>
-                </a:solidFill>
-                <a:latin typeface="+mj-lt"/>
-                <a:ea typeface="+mj-ea"/>
-                <a:cs typeface="+mj-cs"/>
-              </a:defRPr>
-            </a:lvl1pPr>
-          </a:lstStyle>
-          <a:p>
-            <a:r>
-              <a:rPr lang="en-US" dirty="0" smtClean="0"/>
-              <a:t>END OF FILE</a:t>
-            </a:r>
-            <a:endParaRPr lang="en-IN" dirty="0"/>
-          </a:p>
-        </p:txBody>
-      </p:sp>
-    </p:spTree>
-    <p:extLst>
-      <p:ext uri="{BB962C8B-B14F-4D97-AF65-F5344CB8AC3E}">
-        <p14:creationId xmlns:p14="http://schemas.microsoft.com/office/powerpoint/2010/main" val="144954746"/>
       </p:ext>
     </p:extLst>
   </p:cSld>
@@ -6027,7 +6271,7 @@
         </p:spPr>
         <p:txBody>
           <a:bodyPr numCol="2">
-            <a:normAutofit fontScale="92500"/>
+            <a:normAutofit fontScale="92500" lnSpcReduction="20000"/>
           </a:bodyPr>
           <a:lstStyle/>
           <a:p>
@@ -6041,8 +6285,19 @@
             </a:r>
             <a:r>
               <a:rPr lang="en-US" dirty="0" smtClean="0"/>
-              <a:t>indows App</a:t>
-            </a:r>
+              <a:t>indows </a:t>
+            </a:r>
+            <a:r>
+              <a:rPr lang="en-US" dirty="0" smtClean="0"/>
+              <a:t>App</a:t>
+            </a:r>
+          </a:p>
+          <a:p>
+            <a:r>
+              <a:rPr lang="en-US" dirty="0"/>
+              <a:t>Development Platforms Details</a:t>
+            </a:r>
+            <a:endParaRPr lang="en-US" dirty="0" smtClean="0"/>
           </a:p>
           <a:p>
             <a:r>
@@ -6132,20 +6387,38 @@
           <a:p>
             <a:r>
               <a:rPr lang="en-US" dirty="0"/>
-              <a:t>A Simple WinUI Application</a:t>
+              <a:t>Exercise (Simple Calculator) Using </a:t>
+            </a:r>
+            <a:r>
+              <a:rPr lang="en-US" dirty="0" smtClean="0"/>
+              <a:t>WinUI</a:t>
+            </a:r>
+          </a:p>
+          <a:p>
+            <a:r>
+              <a:rPr lang="en-IN" dirty="0"/>
+              <a:t>XAML Controls Gallery App</a:t>
             </a:r>
             <a:endParaRPr lang="en-US" dirty="0" smtClean="0"/>
           </a:p>
           <a:p>
             <a:r>
+              <a:rPr lang="en-US" dirty="0"/>
+              <a:t>Development Technology </a:t>
+            </a:r>
+            <a:r>
               <a:rPr lang="en-US" dirty="0" smtClean="0"/>
-              <a:t>Windows Development Technology</a:t>
-            </a:r>
-          </a:p>
-          <a:p>
+              <a:t>Evolution</a:t>
+            </a:r>
+          </a:p>
+          <a:p>
+            <a:r>
+              <a:rPr lang="en-US" dirty="0" smtClean="0"/>
+              <a:t>Microsoft </a:t>
+            </a:r>
             <a:r>
               <a:rPr lang="en-US" dirty="0"/>
-              <a:t>Microsoft Open Sourced </a:t>
+              <a:t>Open Sourced </a:t>
             </a:r>
             <a:r>
               <a:rPr lang="en-US" dirty="0" smtClean="0"/>
@@ -6177,6 +6450,92 @@
     <p:extLst>
       <p:ext uri="{BB962C8B-B14F-4D97-AF65-F5344CB8AC3E}">
         <p14:creationId xmlns:p14="http://schemas.microsoft.com/office/powerpoint/2010/main" val="3622520602"/>
+      </p:ext>
+    </p:extLst>
+  </p:cSld>
+  <p:clrMapOvr>
+    <a:masterClrMapping/>
+  </p:clrMapOvr>
+  <p:timing>
+    <p:tnLst>
+      <p:par>
+        <p:cTn id="1" dur="indefinite" restart="never" nodeType="tmRoot"/>
+      </p:par>
+    </p:tnLst>
+  </p:timing>
+</p:sld>
+</file>
+
+<file path=ppt/slides/slide20.xml><?xml version="1.0" encoding="utf-8"?>
+<p:sld xmlns:a="http://schemas.openxmlformats.org/drawingml/2006/main" xmlns:r="http://schemas.openxmlformats.org/officeDocument/2006/relationships" xmlns:p="http://schemas.openxmlformats.org/presentationml/2006/main">
+  <p:cSld>
+    <p:spTree>
+      <p:nvGrpSpPr>
+        <p:cNvPr id="1" name=""/>
+        <p:cNvGrpSpPr/>
+        <p:nvPr/>
+      </p:nvGrpSpPr>
+      <p:grpSpPr>
+        <a:xfrm>
+          <a:off x="0" y="0"/>
+          <a:ext cx="0" cy="0"/>
+          <a:chOff x="0" y="0"/>
+          <a:chExt cx="0" cy="0"/>
+        </a:xfrm>
+      </p:grpSpPr>
+      <p:sp>
+        <p:nvSpPr>
+          <p:cNvPr id="3" name="Title 1"/>
+          <p:cNvSpPr txBox="1">
+            <a:spLocks/>
+          </p:cNvSpPr>
+          <p:nvPr/>
+        </p:nvSpPr>
+        <p:spPr>
+          <a:xfrm>
+            <a:off x="1653745" y="4949482"/>
+            <a:ext cx="4401065" cy="1325563"/>
+          </a:xfrm>
+          <a:prstGeom prst="rect">
+            <a:avLst/>
+          </a:prstGeom>
+        </p:spPr>
+        <p:txBody>
+          <a:bodyPr vert="horz" lIns="91440" tIns="45720" rIns="91440" bIns="45720" rtlCol="0" anchor="ctr">
+            <a:normAutofit/>
+          </a:bodyPr>
+          <a:lstStyle>
+            <a:lvl1pPr algn="l" defTabSz="914400" rtl="0" eaLnBrk="1" latinLnBrk="0" hangingPunct="1">
+              <a:lnSpc>
+                <a:spcPct val="90000"/>
+              </a:lnSpc>
+              <a:spcBef>
+                <a:spcPct val="0"/>
+              </a:spcBef>
+              <a:buNone/>
+              <a:defRPr sz="4400" kern="1200">
+                <a:solidFill>
+                  <a:schemeClr val="tx1"/>
+                </a:solidFill>
+                <a:latin typeface="+mj-lt"/>
+                <a:ea typeface="+mj-ea"/>
+                <a:cs typeface="+mj-cs"/>
+              </a:defRPr>
+            </a:lvl1pPr>
+          </a:lstStyle>
+          <a:p>
+            <a:r>
+              <a:rPr lang="en-US" dirty="0" smtClean="0"/>
+              <a:t>END OF FILE</a:t>
+            </a:r>
+            <a:endParaRPr lang="en-IN" dirty="0"/>
+          </a:p>
+        </p:txBody>
+      </p:sp>
+    </p:spTree>
+    <p:extLst>
+      <p:ext uri="{BB962C8B-B14F-4D97-AF65-F5344CB8AC3E}">
+        <p14:creationId xmlns:p14="http://schemas.microsoft.com/office/powerpoint/2010/main" val="144954746"/>
       </p:ext>
     </p:extLst>
   </p:cSld>
@@ -6227,26 +6586,144 @@
           <a:p>
             <a:r>
               <a:rPr lang="en-US" dirty="0"/>
-              <a:t>Platforms for Windows </a:t>
-            </a:r>
-            <a:r>
-              <a:rPr lang="en-US" dirty="0" smtClean="0"/>
-              <a:t>App</a:t>
+              <a:t>Platforms for Windows App</a:t>
             </a:r>
             <a:endParaRPr lang="en-IN" dirty="0"/>
           </a:p>
         </p:txBody>
       </p:sp>
-      <p:sp>
-        <p:nvSpPr>
-          <p:cNvPr id="5" name="Rectangle 4"/>
+      <p:pic>
+        <p:nvPicPr>
+          <p:cNvPr id="4" name="Content Placeholder 3"/>
+          <p:cNvPicPr>
+            <a:picLocks noGrp="1" noChangeAspect="1"/>
+          </p:cNvPicPr>
+          <p:nvPr>
+            <p:ph idx="1"/>
+          </p:nvPr>
+        </p:nvPicPr>
+        <p:blipFill>
+          <a:blip r:embed="rId2"/>
+          <a:stretch>
+            <a:fillRect/>
+          </a:stretch>
+        </p:blipFill>
+        <p:spPr>
+          <a:xfrm>
+            <a:off x="1927481" y="1350453"/>
+            <a:ext cx="8390221" cy="4727566"/>
+          </a:xfrm>
+          <a:prstGeom prst="rect">
+            <a:avLst/>
+          </a:prstGeom>
+        </p:spPr>
+      </p:pic>
+      <p:pic>
+        <p:nvPicPr>
+          <p:cNvPr id="5" name="Picture 4"/>
+          <p:cNvPicPr>
+            <a:picLocks noChangeAspect="1"/>
+          </p:cNvPicPr>
+          <p:nvPr/>
+        </p:nvPicPr>
+        <p:blipFill>
+          <a:blip r:embed="rId3"/>
+          <a:stretch>
+            <a:fillRect/>
+          </a:stretch>
+        </p:blipFill>
+        <p:spPr>
+          <a:xfrm>
+            <a:off x="2491321" y="2992527"/>
+            <a:ext cx="1311461" cy="1311461"/>
+          </a:xfrm>
+          <a:prstGeom prst="rect">
+            <a:avLst/>
+          </a:prstGeom>
+        </p:spPr>
+      </p:pic>
+      <p:pic>
+        <p:nvPicPr>
+          <p:cNvPr id="6" name="Picture 5"/>
+          <p:cNvPicPr>
+            <a:picLocks noChangeAspect="1"/>
+          </p:cNvPicPr>
+          <p:nvPr/>
+        </p:nvPicPr>
+        <p:blipFill>
+          <a:blip r:embed="rId4"/>
+          <a:stretch>
+            <a:fillRect/>
+          </a:stretch>
+        </p:blipFill>
+        <p:spPr>
+          <a:xfrm>
+            <a:off x="4470249" y="2987591"/>
+            <a:ext cx="1316397" cy="1316397"/>
+          </a:xfrm>
+          <a:prstGeom prst="rect">
+            <a:avLst/>
+          </a:prstGeom>
+        </p:spPr>
+      </p:pic>
+      <p:pic>
+        <p:nvPicPr>
+          <p:cNvPr id="7" name="Picture 6"/>
+          <p:cNvPicPr>
+            <a:picLocks noChangeAspect="1"/>
+          </p:cNvPicPr>
+          <p:nvPr/>
+        </p:nvPicPr>
+        <p:blipFill>
+          <a:blip r:embed="rId5"/>
+          <a:stretch>
+            <a:fillRect/>
+          </a:stretch>
+        </p:blipFill>
+        <p:spPr>
+          <a:xfrm>
+            <a:off x="6399521" y="2987591"/>
+            <a:ext cx="1313122" cy="1313122"/>
+          </a:xfrm>
+          <a:prstGeom prst="rect">
+            <a:avLst/>
+          </a:prstGeom>
+        </p:spPr>
+      </p:pic>
+      <p:pic>
+        <p:nvPicPr>
+          <p:cNvPr id="8" name="Picture 7"/>
+          <p:cNvPicPr>
+            <a:picLocks noChangeAspect="1"/>
+          </p:cNvPicPr>
+          <p:nvPr/>
+        </p:nvPicPr>
+        <p:blipFill>
+          <a:blip r:embed="rId6"/>
+          <a:stretch>
+            <a:fillRect/>
+          </a:stretch>
+        </p:blipFill>
+        <p:spPr>
+          <a:xfrm>
+            <a:off x="8364804" y="2987590"/>
+            <a:ext cx="1311459" cy="1311459"/>
+          </a:xfrm>
+          <a:prstGeom prst="rect">
+            <a:avLst/>
+          </a:prstGeom>
+        </p:spPr>
+      </p:pic>
+      <p:sp>
+        <p:nvSpPr>
+          <p:cNvPr id="9" name="Rectangle 8"/>
           <p:cNvSpPr/>
           <p:nvPr/>
         </p:nvSpPr>
         <p:spPr>
           <a:xfrm>
-            <a:off x="1201002" y="6063062"/>
-            <a:ext cx="9471547" cy="523220"/>
+            <a:off x="1132764" y="6117654"/>
+            <a:ext cx="10072048" cy="738664"/>
           </a:xfrm>
           <a:prstGeom prst="rect">
             <a:avLst/>
@@ -6265,7 +6742,7 @@
                 </a:solidFill>
                 <a:latin typeface="Segoe UI" panose="020B0502040204020203" pitchFamily="34" charset="0"/>
               </a:rPr>
-              <a:t>There are four main </a:t>
+              <a:t>There are four </a:t>
             </a:r>
             <a:r>
               <a:rPr lang="en-IN" sz="1400" dirty="0" smtClean="0">
@@ -6274,7 +6751,7 @@
                 </a:solidFill>
                 <a:latin typeface="Segoe UI" panose="020B0502040204020203" pitchFamily="34" charset="0"/>
               </a:rPr>
-              <a:t>platform </a:t>
+              <a:t>core platforms </a:t>
             </a:r>
             <a:r>
               <a:rPr lang="en-IN" sz="1400" dirty="0">
@@ -6301,7 +6778,43 @@
                 </a:solidFill>
                 <a:latin typeface="Segoe UI" panose="020B0502040204020203" pitchFamily="34" charset="0"/>
               </a:rPr>
-              <a:t>for Windows PCs. Each platform provides an app model that defines the lifecycle of the app, a complete UI </a:t>
+              <a:t>for Windows </a:t>
+            </a:r>
+            <a:r>
+              <a:rPr lang="en-IN" sz="1400" dirty="0" smtClean="0">
+                <a:solidFill>
+                  <a:srgbClr val="171717"/>
+                </a:solidFill>
+                <a:latin typeface="Segoe UI" panose="020B0502040204020203" pitchFamily="34" charset="0"/>
+              </a:rPr>
+              <a:t>PCs (MFC, WinForms, WPF, &amp; WinUI). </a:t>
+            </a:r>
+            <a:r>
+              <a:rPr lang="en-IN" sz="1400" dirty="0">
+                <a:solidFill>
+                  <a:srgbClr val="171717"/>
+                </a:solidFill>
+                <a:latin typeface="Segoe UI" panose="020B0502040204020203" pitchFamily="34" charset="0"/>
+              </a:rPr>
+              <a:t>Each </a:t>
+            </a:r>
+            <a:r>
+              <a:rPr lang="en-IN" sz="1400" dirty="0" smtClean="0">
+                <a:solidFill>
+                  <a:srgbClr val="171717"/>
+                </a:solidFill>
+                <a:latin typeface="Segoe UI" panose="020B0502040204020203" pitchFamily="34" charset="0"/>
+              </a:rPr>
+              <a:t>of the platform </a:t>
+            </a:r>
+            <a:r>
+              <a:rPr lang="en-IN" sz="1400" dirty="0">
+                <a:solidFill>
+                  <a:srgbClr val="171717"/>
+                </a:solidFill>
+                <a:latin typeface="Segoe UI" panose="020B0502040204020203" pitchFamily="34" charset="0"/>
+              </a:rPr>
+              <a:t>provides an app model that defines the lifecycle of the app, a complete UI </a:t>
             </a:r>
             <a:r>
               <a:rPr lang="en-IN" sz="1400" dirty="0" smtClean="0">
@@ -6334,6 +6847,66 @@
           </a:p>
         </p:txBody>
       </p:sp>
+    </p:spTree>
+    <p:extLst>
+      <p:ext uri="{BB962C8B-B14F-4D97-AF65-F5344CB8AC3E}">
+        <p14:creationId xmlns:p14="http://schemas.microsoft.com/office/powerpoint/2010/main" val="1042831341"/>
+      </p:ext>
+    </p:extLst>
+  </p:cSld>
+  <p:clrMapOvr>
+    <a:masterClrMapping/>
+  </p:clrMapOvr>
+  <p:timing>
+    <p:tnLst>
+      <p:par>
+        <p:cTn id="1" dur="indefinite" restart="never" nodeType="tmRoot"/>
+      </p:par>
+    </p:tnLst>
+  </p:timing>
+</p:sld>
+</file>
+
+<file path=ppt/slides/slide4.xml><?xml version="1.0" encoding="utf-8"?>
+<p:sld xmlns:a="http://schemas.openxmlformats.org/drawingml/2006/main" xmlns:r="http://schemas.openxmlformats.org/officeDocument/2006/relationships" xmlns:p="http://schemas.openxmlformats.org/presentationml/2006/main">
+  <p:cSld>
+    <p:spTree>
+      <p:nvGrpSpPr>
+        <p:cNvPr id="1" name=""/>
+        <p:cNvGrpSpPr/>
+        <p:nvPr/>
+      </p:nvGrpSpPr>
+      <p:grpSpPr>
+        <a:xfrm>
+          <a:off x="0" y="0"/>
+          <a:ext cx="0" cy="0"/>
+          <a:chOff x="0" y="0"/>
+          <a:chExt cx="0" cy="0"/>
+        </a:xfrm>
+      </p:grpSpPr>
+      <p:sp>
+        <p:nvSpPr>
+          <p:cNvPr id="2" name="Title 1"/>
+          <p:cNvSpPr>
+            <a:spLocks noGrp="1"/>
+          </p:cNvSpPr>
+          <p:nvPr>
+            <p:ph type="title"/>
+          </p:nvPr>
+        </p:nvSpPr>
+        <p:spPr/>
+        <p:txBody>
+          <a:bodyPr/>
+          <a:lstStyle/>
+          <a:p>
+            <a:r>
+              <a:rPr lang="en-US" dirty="0" smtClean="0"/>
+              <a:t>Development Platforms Details</a:t>
+            </a:r>
+            <a:endParaRPr lang="en-IN" dirty="0"/>
+          </a:p>
+        </p:txBody>
+      </p:sp>
       <p:graphicFrame>
         <p:nvGraphicFramePr>
           <p:cNvPr id="6" name="Table 5"/>
@@ -6343,14 +6916,14 @@
           <p:nvPr>
             <p:extLst>
               <p:ext uri="{D42A27DB-BD31-4B8C-83A1-F6EECF244321}">
-                <p14:modId xmlns:p14="http://schemas.microsoft.com/office/powerpoint/2010/main" val="762320340"/>
+                <p14:modId xmlns:p14="http://schemas.microsoft.com/office/powerpoint/2010/main" val="54715112"/>
               </p:ext>
             </p:extLst>
           </p:nvPr>
         </p:nvGraphicFramePr>
         <p:xfrm>
-          <a:off x="1196452" y="1479013"/>
-          <a:ext cx="9799095" cy="4582415"/>
+          <a:off x="1196453" y="1479013"/>
+          <a:ext cx="10157348" cy="4582415"/>
         </p:xfrm>
         <a:graphic>
           <a:graphicData uri="http://schemas.openxmlformats.org/drawingml/2006/table">
@@ -6359,8 +6932,8 @@
                 <a:tableStyleId>{5C22544A-7EE6-4342-B048-85BDC9FD1C3A}</a:tableStyleId>
               </a:tblPr>
               <a:tblGrid>
-                <a:gridCol w="1380436"/>
-                <a:gridCol w="8418659"/>
+                <a:gridCol w="1634325"/>
+                <a:gridCol w="8523023"/>
               </a:tblGrid>
               <a:tr h="277115">
                 <a:tc>
@@ -6686,7 +7259,7 @@
 </p:sld>
 </file>
 
-<file path=ppt/slides/slide4.xml><?xml version="1.0" encoding="utf-8"?>
+<file path=ppt/slides/slide5.xml><?xml version="1.0" encoding="utf-8"?>
 <p:sld xmlns:a="http://schemas.openxmlformats.org/drawingml/2006/main" xmlns:r="http://schemas.openxmlformats.org/officeDocument/2006/relationships" xmlns:p="http://schemas.openxmlformats.org/presentationml/2006/main">
   <p:cSld>
     <p:spTree>
@@ -6793,7 +7366,7 @@
         <p:spPr>
           <a:xfrm>
             <a:off x="1191904" y="5978597"/>
-            <a:ext cx="9535236" cy="783869"/>
+            <a:ext cx="9535236" cy="553357"/>
           </a:xfrm>
           <a:prstGeom prst="rect">
             <a:avLst/>
@@ -6819,7 +7392,7 @@
                 <a:ea typeface="Times New Roman" panose="02020603050405020304" pitchFamily="18" charset="0"/>
                 <a:cs typeface="Times New Roman" panose="02020603050405020304" pitchFamily="18" charset="0"/>
               </a:rPr>
-              <a:t>There are 2 kinds of </a:t>
+              <a:t>There are </a:t>
             </a:r>
             <a:r>
               <a:rPr lang="en-IN" sz="1400" dirty="0" smtClean="0">
@@ -6827,7 +7400,23 @@
                 <a:ea typeface="Times New Roman" panose="02020603050405020304" pitchFamily="18" charset="0"/>
                 <a:cs typeface="Times New Roman" panose="02020603050405020304" pitchFamily="18" charset="0"/>
               </a:rPr>
-              <a:t>applications, </a:t>
+              <a:t>two </a:t>
+            </a:r>
+            <a:r>
+              <a:rPr lang="en-IN" sz="1400" dirty="0">
+                <a:latin typeface="Calibri" panose="020F0502020204030204" pitchFamily="34" charset="0"/>
+                <a:ea typeface="Times New Roman" panose="02020603050405020304" pitchFamily="18" charset="0"/>
+                <a:cs typeface="Times New Roman" panose="02020603050405020304" pitchFamily="18" charset="0"/>
+              </a:rPr>
+              <a:t>kinds of </a:t>
+            </a:r>
+            <a:r>
+              <a:rPr lang="en-IN" sz="1400" dirty="0" smtClean="0">
+                <a:latin typeface="Calibri" panose="020F0502020204030204" pitchFamily="34" charset="0"/>
+                <a:ea typeface="Times New Roman" panose="02020603050405020304" pitchFamily="18" charset="0"/>
+                <a:cs typeface="Times New Roman" panose="02020603050405020304" pitchFamily="18" charset="0"/>
+              </a:rPr>
+              <a:t>applications </a:t>
             </a:r>
             <a:r>
               <a:rPr lang="en-IN" sz="1400" dirty="0">
@@ -6846,12 +7435,80 @@
               <a:t>natively supports </a:t>
             </a:r>
             <a:r>
+              <a:rPr lang="en-IN" sz="1400" b="1" dirty="0" smtClean="0">
+                <a:solidFill>
+                  <a:srgbClr val="00B0F0"/>
+                </a:solidFill>
+                <a:latin typeface="Calibri" panose="020F0502020204030204" pitchFamily="34" charset="0"/>
+                <a:ea typeface="Times New Roman" panose="02020603050405020304" pitchFamily="18" charset="0"/>
+                <a:cs typeface="Times New Roman" panose="02020603050405020304" pitchFamily="18" charset="0"/>
+              </a:rPr>
+              <a:t>“1-Full </a:t>
+            </a:r>
+            <a:r>
+              <a:rPr lang="en-IN" sz="1400" b="1" dirty="0">
+                <a:solidFill>
+                  <a:srgbClr val="00B0F0"/>
+                </a:solidFill>
+                <a:latin typeface="Calibri" panose="020F0502020204030204" pitchFamily="34" charset="0"/>
+                <a:ea typeface="Times New Roman" panose="02020603050405020304" pitchFamily="18" charset="0"/>
+                <a:cs typeface="Times New Roman" panose="02020603050405020304" pitchFamily="18" charset="0"/>
+              </a:rPr>
+              <a:t>Trust Win32/Desktop”</a:t>
+            </a:r>
+            <a:r>
               <a:rPr lang="en-IN" sz="1400" dirty="0">
                 <a:latin typeface="Calibri" panose="020F0502020204030204" pitchFamily="34" charset="0"/>
                 <a:ea typeface="Times New Roman" panose="02020603050405020304" pitchFamily="18" charset="0"/>
                 <a:cs typeface="Times New Roman" panose="02020603050405020304" pitchFamily="18" charset="0"/>
               </a:rPr>
-              <a:t>“Full Trust Win32/Desktop” Application, and “WinRT/UWP Sandboxed” application. A “Full Trust Win32/Desktop” app can also be sandboxed using the Desktop bridge technology of WinRT/UWP platform.</a:t>
+              <a:t> Application, and </a:t>
+            </a:r>
+            <a:r>
+              <a:rPr lang="en-IN" sz="1400" b="1" dirty="0" smtClean="0">
+                <a:solidFill>
+                  <a:srgbClr val="00B050"/>
+                </a:solidFill>
+                <a:latin typeface="Calibri" panose="020F0502020204030204" pitchFamily="34" charset="0"/>
+                <a:ea typeface="Times New Roman" panose="02020603050405020304" pitchFamily="18" charset="0"/>
+                <a:cs typeface="Times New Roman" panose="02020603050405020304" pitchFamily="18" charset="0"/>
+              </a:rPr>
+              <a:t>“2-WinRT/UWP </a:t>
+            </a:r>
+            <a:r>
+              <a:rPr lang="en-IN" sz="1400" b="1" dirty="0">
+                <a:solidFill>
+                  <a:srgbClr val="00B050"/>
+                </a:solidFill>
+                <a:latin typeface="Calibri" panose="020F0502020204030204" pitchFamily="34" charset="0"/>
+                <a:ea typeface="Times New Roman" panose="02020603050405020304" pitchFamily="18" charset="0"/>
+                <a:cs typeface="Times New Roman" panose="02020603050405020304" pitchFamily="18" charset="0"/>
+              </a:rPr>
+              <a:t>Sandboxed” </a:t>
+            </a:r>
+            <a:r>
+              <a:rPr lang="en-IN" sz="1400" dirty="0">
+                <a:latin typeface="Calibri" panose="020F0502020204030204" pitchFamily="34" charset="0"/>
+                <a:ea typeface="Times New Roman" panose="02020603050405020304" pitchFamily="18" charset="0"/>
+                <a:cs typeface="Times New Roman" panose="02020603050405020304" pitchFamily="18" charset="0"/>
+              </a:rPr>
+              <a:t>application. A “Full Trust Win32/Desktop” app can also be sandboxed using the </a:t>
+            </a:r>
+            <a:r>
+              <a:rPr lang="en-IN" sz="1400" dirty="0" smtClean="0">
+                <a:latin typeface="Calibri" panose="020F0502020204030204" pitchFamily="34" charset="0"/>
+                <a:ea typeface="Times New Roman" panose="02020603050405020304" pitchFamily="18" charset="0"/>
+                <a:cs typeface="Times New Roman" panose="02020603050405020304" pitchFamily="18" charset="0"/>
+              </a:rPr>
+              <a:t>bridge </a:t>
+            </a:r>
+            <a:r>
+              <a:rPr lang="en-IN" sz="1400" dirty="0" smtClean="0">
+                <a:latin typeface="Calibri" panose="020F0502020204030204" pitchFamily="34" charset="0"/>
+                <a:ea typeface="Times New Roman" panose="02020603050405020304" pitchFamily="18" charset="0"/>
+                <a:cs typeface="Times New Roman" panose="02020603050405020304" pitchFamily="18" charset="0"/>
+              </a:rPr>
+              <a:t>technology.</a:t>
             </a:r>
             <a:endParaRPr lang="en-IN" sz="1400" dirty="0">
               <a:effectLst/>
@@ -6866,138 +7523,6 @@
     <p:extLst>
       <p:ext uri="{BB962C8B-B14F-4D97-AF65-F5344CB8AC3E}">
         <p14:creationId xmlns:p14="http://schemas.microsoft.com/office/powerpoint/2010/main" val="2457153136"/>
-      </p:ext>
-    </p:extLst>
-  </p:cSld>
-  <p:clrMapOvr>
-    <a:masterClrMapping/>
-  </p:clrMapOvr>
-  <p:timing>
-    <p:tnLst>
-      <p:par>
-        <p:cTn id="1" dur="indefinite" restart="never" nodeType="tmRoot"/>
-      </p:par>
-    </p:tnLst>
-  </p:timing>
-</p:sld>
-</file>
-
-<file path=ppt/slides/slide5.xml><?xml version="1.0" encoding="utf-8"?>
-<p:sld xmlns:a="http://schemas.openxmlformats.org/drawingml/2006/main" xmlns:r="http://schemas.openxmlformats.org/officeDocument/2006/relationships" xmlns:p="http://schemas.openxmlformats.org/presentationml/2006/main">
-  <p:cSld>
-    <p:spTree>
-      <p:nvGrpSpPr>
-        <p:cNvPr id="1" name=""/>
-        <p:cNvGrpSpPr/>
-        <p:nvPr/>
-      </p:nvGrpSpPr>
-      <p:grpSpPr>
-        <a:xfrm>
-          <a:off x="0" y="0"/>
-          <a:ext cx="0" cy="0"/>
-          <a:chOff x="0" y="0"/>
-          <a:chExt cx="0" cy="0"/>
-        </a:xfrm>
-      </p:grpSpPr>
-      <p:sp>
-        <p:nvSpPr>
-          <p:cNvPr id="2" name="Title 1"/>
-          <p:cNvSpPr>
-            <a:spLocks noGrp="1"/>
-          </p:cNvSpPr>
-          <p:nvPr>
-            <p:ph type="title"/>
-          </p:nvPr>
-        </p:nvSpPr>
-        <p:spPr/>
-        <p:txBody>
-          <a:bodyPr/>
-          <a:lstStyle/>
-          <a:p>
-            <a:r>
-              <a:rPr lang="en-US" dirty="0" smtClean="0"/>
-              <a:t>UWP Bridge Technology</a:t>
-            </a:r>
-            <a:endParaRPr lang="en-IN" dirty="0"/>
-          </a:p>
-        </p:txBody>
-      </p:sp>
-      <p:pic>
-        <p:nvPicPr>
-          <p:cNvPr id="4" name="Content Placeholder 3"/>
-          <p:cNvPicPr>
-            <a:picLocks noGrp="1" noChangeAspect="1"/>
-          </p:cNvPicPr>
-          <p:nvPr>
-            <p:ph idx="1"/>
-          </p:nvPr>
-        </p:nvPicPr>
-        <p:blipFill>
-          <a:blip r:embed="rId2"/>
-          <a:stretch>
-            <a:fillRect/>
-          </a:stretch>
-        </p:blipFill>
-        <p:spPr>
-          <a:xfrm>
-            <a:off x="1397990" y="1445029"/>
-            <a:ext cx="8768223" cy="4351338"/>
-          </a:xfrm>
-          <a:prstGeom prst="rect">
-            <a:avLst/>
-          </a:prstGeom>
-        </p:spPr>
-      </p:pic>
-      <p:sp>
-        <p:nvSpPr>
-          <p:cNvPr id="3" name="Rectangle 2"/>
-          <p:cNvSpPr/>
-          <p:nvPr/>
-        </p:nvSpPr>
-        <p:spPr>
-          <a:xfrm>
-            <a:off x="1397990" y="5796367"/>
-            <a:ext cx="9439702" cy="773673"/>
-          </a:xfrm>
-          <a:prstGeom prst="rect">
-            <a:avLst/>
-          </a:prstGeom>
-        </p:spPr>
-        <p:txBody>
-          <a:bodyPr wrap="square">
-            <a:spAutoFit/>
-          </a:bodyPr>
-          <a:lstStyle/>
-          <a:p>
-            <a:pPr>
-              <a:lnSpc>
-                <a:spcPct val="107000"/>
-              </a:lnSpc>
-              <a:spcAft>
-                <a:spcPts val="800"/>
-              </a:spcAft>
-            </a:pPr>
-            <a:r>
-              <a:rPr lang="en-IN" sz="1400" dirty="0">
-                <a:latin typeface="Calibri" panose="020F0502020204030204" pitchFamily="34" charset="0"/>
-                <a:ea typeface="Times New Roman" panose="02020603050405020304" pitchFamily="18" charset="0"/>
-                <a:cs typeface="Times New Roman" panose="02020603050405020304" pitchFamily="18" charset="0"/>
-              </a:rPr>
-              <a:t>UWP Bridges translate calls in other application programming interfaces (APIs) to the UWP interface, so that applications written in these APIs would run on UWP. UWP could run Android, iOS, Windows desktop apps, Microsoft Silverlight, and progressive web apps using bridge technology.</a:t>
-            </a:r>
-            <a:endParaRPr lang="en-IN" sz="1400" dirty="0">
-              <a:effectLst/>
-              <a:latin typeface="Calibri" panose="020F0502020204030204" pitchFamily="34" charset="0"/>
-              <a:ea typeface="Times New Roman" panose="02020603050405020304" pitchFamily="18" charset="0"/>
-              <a:cs typeface="Times New Roman" panose="02020603050405020304" pitchFamily="18" charset="0"/>
-            </a:endParaRPr>
-          </a:p>
-        </p:txBody>
-      </p:sp>
-    </p:spTree>
-    <p:extLst>
-      <p:ext uri="{BB962C8B-B14F-4D97-AF65-F5344CB8AC3E}">
-        <p14:creationId xmlns:p14="http://schemas.microsoft.com/office/powerpoint/2010/main" val="2094053755"/>
       </p:ext>
     </p:extLst>
   </p:cSld>
@@ -7048,15 +7573,7 @@
           <a:p>
             <a:r>
               <a:rPr lang="en-US" dirty="0" smtClean="0"/>
-              <a:t>Microsoft Project </a:t>
-            </a:r>
-            <a:r>
-              <a:rPr lang="en-US" dirty="0"/>
-              <a:t>R</a:t>
-            </a:r>
-            <a:r>
-              <a:rPr lang="en-US" dirty="0" smtClean="0"/>
-              <a:t>eunion</a:t>
+              <a:t>UWP Bridge Technology</a:t>
             </a:r>
             <a:endParaRPr lang="en-IN" dirty="0"/>
           </a:p>
@@ -7064,7 +7581,7 @@
       </p:sp>
       <p:pic>
         <p:nvPicPr>
-          <p:cNvPr id="5" name="Content Placeholder 4"/>
+          <p:cNvPr id="4" name="Content Placeholder 3"/>
           <p:cNvPicPr>
             <a:picLocks noGrp="1" noChangeAspect="1"/>
           </p:cNvPicPr>
@@ -7080,8 +7597,8 @@
         </p:blipFill>
         <p:spPr>
           <a:xfrm>
-            <a:off x="1339043" y="1513264"/>
-            <a:ext cx="9442688" cy="4098749"/>
+            <a:off x="1397990" y="1445029"/>
+            <a:ext cx="8768223" cy="4351338"/>
           </a:xfrm>
           <a:prstGeom prst="rect">
             <a:avLst/>
@@ -7096,8 +7613,8 @@
         </p:nvSpPr>
         <p:spPr>
           <a:xfrm>
-            <a:off x="992306" y="5800339"/>
-            <a:ext cx="10207388" cy="738664"/>
+            <a:off x="1397990" y="5796367"/>
+            <a:ext cx="9439702" cy="783869"/>
           </a:xfrm>
           <a:prstGeom prst="rect">
             <a:avLst/>
@@ -7109,38 +7626,59 @@
           </a:bodyPr>
           <a:lstStyle/>
           <a:p>
-            <a:r>
-              <a:rPr lang="en-IN" sz="1400" dirty="0"/>
-              <a:t>Project Reunion </a:t>
-            </a:r>
-            <a:r>
-              <a:rPr lang="en-IN" sz="1400" dirty="0" smtClean="0"/>
-              <a:t>is an umbrella project that makes </a:t>
-            </a:r>
-            <a:r>
-              <a:rPr lang="en-IN" sz="1400" dirty="0"/>
-              <a:t>it easier to build a great Windows app by providing a unified platform for new and existing Win32 and UWP apps. It will unify access to existing Win32 and UWP APIs and make them available decoupled from the </a:t>
-            </a:r>
-            <a:r>
-              <a:rPr lang="en-IN" sz="1400" dirty="0" smtClean="0"/>
-              <a:t>OS. Some of the components of project reunion are: WinUI3, WebView2, MSIX, and </a:t>
-            </a:r>
-            <a:r>
-              <a:rPr lang="en-IN" sz="1400" dirty="0"/>
-              <a:t>Modern Resource </a:t>
-            </a:r>
-            <a:r>
-              <a:rPr lang="en-IN" sz="1400" dirty="0" smtClean="0"/>
-              <a:t>Tooling.</a:t>
-            </a:r>
-            <a:endParaRPr lang="en-IN" sz="1400" dirty="0"/>
+            <a:pPr>
+              <a:lnSpc>
+                <a:spcPct val="107000"/>
+              </a:lnSpc>
+              <a:spcAft>
+                <a:spcPts val="800"/>
+              </a:spcAft>
+            </a:pPr>
+            <a:r>
+              <a:rPr lang="en-IN" sz="1400" dirty="0">
+                <a:latin typeface="Calibri" panose="020F0502020204030204" pitchFamily="34" charset="0"/>
+                <a:ea typeface="Times New Roman" panose="02020603050405020304" pitchFamily="18" charset="0"/>
+                <a:cs typeface="Times New Roman" panose="02020603050405020304" pitchFamily="18" charset="0"/>
+              </a:rPr>
+              <a:t>UWP Bridges translate calls in other application programming interfaces (APIs) to the UWP interface, so that applications written in these APIs would run on UWP. </a:t>
+            </a:r>
+            <a:r>
+              <a:rPr lang="en-IN" sz="1400" dirty="0" smtClean="0">
+                <a:latin typeface="Calibri" panose="020F0502020204030204" pitchFamily="34" charset="0"/>
+                <a:ea typeface="Times New Roman" panose="02020603050405020304" pitchFamily="18" charset="0"/>
+                <a:cs typeface="Times New Roman" panose="02020603050405020304" pitchFamily="18" charset="0"/>
+              </a:rPr>
+              <a:t>Bridges are available to </a:t>
+            </a:r>
+            <a:r>
+              <a:rPr lang="en-IN" sz="1400" dirty="0">
+                <a:latin typeface="Calibri" panose="020F0502020204030204" pitchFamily="34" charset="0"/>
+                <a:ea typeface="Times New Roman" panose="02020603050405020304" pitchFamily="18" charset="0"/>
+                <a:cs typeface="Times New Roman" panose="02020603050405020304" pitchFamily="18" charset="0"/>
+              </a:rPr>
+              <a:t>run Android, iOS, Windows desktop apps, Microsoft Silverlight, and progressive web apps </a:t>
+            </a:r>
+            <a:r>
+              <a:rPr lang="en-IN" sz="1400" dirty="0" smtClean="0">
+                <a:latin typeface="Calibri" panose="020F0502020204030204" pitchFamily="34" charset="0"/>
+                <a:ea typeface="Times New Roman" panose="02020603050405020304" pitchFamily="18" charset="0"/>
+                <a:cs typeface="Times New Roman" panose="02020603050405020304" pitchFamily="18" charset="0"/>
+              </a:rPr>
+              <a:t>on UWP.</a:t>
+            </a:r>
+            <a:endParaRPr lang="en-IN" sz="1400" dirty="0">
+              <a:effectLst/>
+              <a:latin typeface="Calibri" panose="020F0502020204030204" pitchFamily="34" charset="0"/>
+              <a:ea typeface="Times New Roman" panose="02020603050405020304" pitchFamily="18" charset="0"/>
+              <a:cs typeface="Times New Roman" panose="02020603050405020304" pitchFamily="18" charset="0"/>
+            </a:endParaRPr>
           </a:p>
         </p:txBody>
       </p:sp>
     </p:spTree>
     <p:extLst>
       <p:ext uri="{BB962C8B-B14F-4D97-AF65-F5344CB8AC3E}">
-        <p14:creationId xmlns:p14="http://schemas.microsoft.com/office/powerpoint/2010/main" val="2593395161"/>
+        <p14:creationId xmlns:p14="http://schemas.microsoft.com/office/powerpoint/2010/main" val="2094053755"/>
       </p:ext>
     </p:extLst>
   </p:cSld>
@@ -7191,6 +7729,149 @@
           <a:p>
             <a:r>
               <a:rPr lang="en-US" dirty="0" smtClean="0"/>
+              <a:t>Microsoft Project </a:t>
+            </a:r>
+            <a:r>
+              <a:rPr lang="en-US" dirty="0"/>
+              <a:t>R</a:t>
+            </a:r>
+            <a:r>
+              <a:rPr lang="en-US" dirty="0" smtClean="0"/>
+              <a:t>eunion</a:t>
+            </a:r>
+            <a:endParaRPr lang="en-IN" dirty="0"/>
+          </a:p>
+        </p:txBody>
+      </p:sp>
+      <p:pic>
+        <p:nvPicPr>
+          <p:cNvPr id="5" name="Content Placeholder 4"/>
+          <p:cNvPicPr>
+            <a:picLocks noGrp="1" noChangeAspect="1"/>
+          </p:cNvPicPr>
+          <p:nvPr>
+            <p:ph idx="1"/>
+          </p:nvPr>
+        </p:nvPicPr>
+        <p:blipFill>
+          <a:blip r:embed="rId2"/>
+          <a:stretch>
+            <a:fillRect/>
+          </a:stretch>
+        </p:blipFill>
+        <p:spPr>
+          <a:xfrm>
+            <a:off x="1339043" y="1513264"/>
+            <a:ext cx="9442688" cy="4098749"/>
+          </a:xfrm>
+          <a:prstGeom prst="rect">
+            <a:avLst/>
+          </a:prstGeom>
+        </p:spPr>
+      </p:pic>
+      <p:sp>
+        <p:nvSpPr>
+          <p:cNvPr id="3" name="Rectangle 2"/>
+          <p:cNvSpPr/>
+          <p:nvPr/>
+        </p:nvSpPr>
+        <p:spPr>
+          <a:xfrm>
+            <a:off x="992306" y="5800339"/>
+            <a:ext cx="10207388" cy="738664"/>
+          </a:xfrm>
+          <a:prstGeom prst="rect">
+            <a:avLst/>
+          </a:prstGeom>
+        </p:spPr>
+        <p:txBody>
+          <a:bodyPr wrap="square">
+            <a:spAutoFit/>
+          </a:bodyPr>
+          <a:lstStyle/>
+          <a:p>
+            <a:r>
+              <a:rPr lang="en-IN" sz="1400" dirty="0"/>
+              <a:t>Project Reunion </a:t>
+            </a:r>
+            <a:r>
+              <a:rPr lang="en-IN" sz="1400" dirty="0" smtClean="0"/>
+              <a:t>is an umbrella project that makes </a:t>
+            </a:r>
+            <a:r>
+              <a:rPr lang="en-IN" sz="1400" dirty="0"/>
+              <a:t>it easier to build a great Windows app by providing a unified platform for new and existing Win32 and UWP apps. It will unify access to existing Win32 and UWP APIs and make them available decoupled from the </a:t>
+            </a:r>
+            <a:r>
+              <a:rPr lang="en-IN" sz="1400" dirty="0" smtClean="0"/>
+              <a:t>OS. Some of the components of project reunion are: WinUI3, WebView2, MSIX, and </a:t>
+            </a:r>
+            <a:r>
+              <a:rPr lang="en-IN" sz="1400" dirty="0"/>
+              <a:t>Modern Resource </a:t>
+            </a:r>
+            <a:r>
+              <a:rPr lang="en-IN" sz="1400" dirty="0" smtClean="0"/>
+              <a:t>Tooling.</a:t>
+            </a:r>
+            <a:endParaRPr lang="en-IN" sz="1400" dirty="0"/>
+          </a:p>
+        </p:txBody>
+      </p:sp>
+    </p:spTree>
+    <p:extLst>
+      <p:ext uri="{BB962C8B-B14F-4D97-AF65-F5344CB8AC3E}">
+        <p14:creationId xmlns:p14="http://schemas.microsoft.com/office/powerpoint/2010/main" val="2593395161"/>
+      </p:ext>
+    </p:extLst>
+  </p:cSld>
+  <p:clrMapOvr>
+    <a:masterClrMapping/>
+  </p:clrMapOvr>
+  <p:timing>
+    <p:tnLst>
+      <p:par>
+        <p:cTn id="1" dur="indefinite" restart="never" nodeType="tmRoot"/>
+      </p:par>
+    </p:tnLst>
+  </p:timing>
+</p:sld>
+</file>
+
+<file path=ppt/slides/slide8.xml><?xml version="1.0" encoding="utf-8"?>
+<p:sld xmlns:a="http://schemas.openxmlformats.org/drawingml/2006/main" xmlns:r="http://schemas.openxmlformats.org/officeDocument/2006/relationships" xmlns:p="http://schemas.openxmlformats.org/presentationml/2006/main">
+  <p:cSld>
+    <p:spTree>
+      <p:nvGrpSpPr>
+        <p:cNvPr id="1" name=""/>
+        <p:cNvGrpSpPr/>
+        <p:nvPr/>
+      </p:nvGrpSpPr>
+      <p:grpSpPr>
+        <a:xfrm>
+          <a:off x="0" y="0"/>
+          <a:ext cx="0" cy="0"/>
+          <a:chOff x="0" y="0"/>
+          <a:chExt cx="0" cy="0"/>
+        </a:xfrm>
+      </p:grpSpPr>
+      <p:sp>
+        <p:nvSpPr>
+          <p:cNvPr id="2" name="Title 1"/>
+          <p:cNvSpPr>
+            <a:spLocks noGrp="1"/>
+          </p:cNvSpPr>
+          <p:nvPr>
+            <p:ph type="title"/>
+          </p:nvPr>
+        </p:nvSpPr>
+        <p:spPr/>
+        <p:txBody>
+          <a:bodyPr/>
+          <a:lstStyle/>
+          <a:p>
+            <a:r>
+              <a:rPr lang="en-US" dirty="0" smtClean="0"/>
               <a:t>Modern Windows API Stack</a:t>
             </a:r>
             <a:endParaRPr lang="en-IN" dirty="0"/>
@@ -7309,7 +7990,7 @@
 </p:sld>
 </file>
 
-<file path=ppt/slides/slide8.xml><?xml version="1.0" encoding="utf-8"?>
+<file path=ppt/slides/slide9.xml><?xml version="1.0" encoding="utf-8"?>
 <p:sld xmlns:a="http://schemas.openxmlformats.org/drawingml/2006/main" xmlns:r="http://schemas.openxmlformats.org/officeDocument/2006/relationships" xmlns:p="http://schemas.openxmlformats.org/presentationml/2006/main">
   <p:cSld>
     <p:spTree>
@@ -7991,96 +8672,6 @@
 </p:sld>
 </file>
 
-<file path=ppt/slides/slide9.xml><?xml version="1.0" encoding="utf-8"?>
-<p:sld xmlns:a="http://schemas.openxmlformats.org/drawingml/2006/main" xmlns:r="http://schemas.openxmlformats.org/officeDocument/2006/relationships" xmlns:p="http://schemas.openxmlformats.org/presentationml/2006/main">
-  <p:cSld>
-    <p:spTree>
-      <p:nvGrpSpPr>
-        <p:cNvPr id="1" name=""/>
-        <p:cNvGrpSpPr/>
-        <p:nvPr/>
-      </p:nvGrpSpPr>
-      <p:grpSpPr>
-        <a:xfrm>
-          <a:off x="0" y="0"/>
-          <a:ext cx="0" cy="0"/>
-          <a:chOff x="0" y="0"/>
-          <a:chExt cx="0" cy="0"/>
-        </a:xfrm>
-      </p:grpSpPr>
-      <p:sp>
-        <p:nvSpPr>
-          <p:cNvPr id="2" name="Title 1"/>
-          <p:cNvSpPr>
-            <a:spLocks noGrp="1"/>
-          </p:cNvSpPr>
-          <p:nvPr>
-            <p:ph type="title"/>
-          </p:nvPr>
-        </p:nvSpPr>
-        <p:spPr/>
-        <p:txBody>
-          <a:bodyPr/>
-          <a:lstStyle/>
-          <a:p>
-            <a:r>
-              <a:rPr lang="en-IN" dirty="0"/>
-              <a:t>Language Selection for </a:t>
-            </a:r>
-            <a:r>
-              <a:rPr lang="en-IN" dirty="0" smtClean="0"/>
-              <a:t>Development</a:t>
-            </a:r>
-            <a:endParaRPr lang="en-IN" dirty="0"/>
-          </a:p>
-        </p:txBody>
-      </p:sp>
-      <p:pic>
-        <p:nvPicPr>
-          <p:cNvPr id="4" name="Content Placeholder 3"/>
-          <p:cNvPicPr>
-            <a:picLocks noGrp="1" noChangeAspect="1"/>
-          </p:cNvPicPr>
-          <p:nvPr>
-            <p:ph idx="1"/>
-          </p:nvPr>
-        </p:nvPicPr>
-        <p:blipFill>
-          <a:blip r:embed="rId2"/>
-          <a:stretch>
-            <a:fillRect/>
-          </a:stretch>
-        </p:blipFill>
-        <p:spPr>
-          <a:xfrm>
-            <a:off x="2924275" y="1690688"/>
-            <a:ext cx="5728405" cy="4952299"/>
-          </a:xfrm>
-          <a:prstGeom prst="rect">
-            <a:avLst/>
-          </a:prstGeom>
-        </p:spPr>
-      </p:pic>
-    </p:spTree>
-    <p:extLst>
-      <p:ext uri="{BB962C8B-B14F-4D97-AF65-F5344CB8AC3E}">
-        <p14:creationId xmlns:p14="http://schemas.microsoft.com/office/powerpoint/2010/main" val="1655439954"/>
-      </p:ext>
-    </p:extLst>
-  </p:cSld>
-  <p:clrMapOvr>
-    <a:masterClrMapping/>
-  </p:clrMapOvr>
-  <p:timing>
-    <p:tnLst>
-      <p:par>
-        <p:cTn id="1" dur="indefinite" restart="never" nodeType="tmRoot"/>
-      </p:par>
-    </p:tnLst>
-  </p:timing>
-</p:sld>
-</file>
-
 <file path=ppt/theme/theme1.xml><?xml version="1.0" encoding="utf-8"?>
 <a:theme xmlns:a="http://schemas.openxmlformats.org/drawingml/2006/main" name="Office Theme">
   <a:themeElements>
